--- a/jupytorNotebooks/16-1.euclidGCD.pptx
+++ b/jupytorNotebooks/16-1.euclidGCD.pptx
@@ -105,6 +105,11 @@
       </a:defRPr>
     </a:lvl9pPr>
   </p:defaultTextStyle>
+  <p:extLst>
+    <p:ext uri="{EFAFB233-063F-42B5-8137-9DF3F51BA10A}">
+      <p15:sldGuideLst xmlns:p15="http://schemas.microsoft.com/office/powerpoint/2012/main"/>
+    </p:ext>
+  </p:extLst>
 </p:presentation>
 </file>
 
@@ -255,7 +260,7 @@
           <a:p>
             <a:fld id="{B01E6A02-2198-4EB4-A556-82A1E87445B1}" type="datetimeFigureOut">
               <a:rPr lang="ko-KR" altLang="en-US" smtClean="0"/>
-              <a:t>2019-11-03</a:t>
+              <a:t>2020-02-04</a:t>
             </a:fld>
             <a:endParaRPr lang="ko-KR" altLang="en-US"/>
           </a:p>
@@ -453,7 +458,7 @@
           <a:p>
             <a:fld id="{B01E6A02-2198-4EB4-A556-82A1E87445B1}" type="datetimeFigureOut">
               <a:rPr lang="ko-KR" altLang="en-US" smtClean="0"/>
-              <a:t>2019-11-03</a:t>
+              <a:t>2020-02-04</a:t>
             </a:fld>
             <a:endParaRPr lang="ko-KR" altLang="en-US"/>
           </a:p>
@@ -661,7 +666,7 @@
           <a:p>
             <a:fld id="{B01E6A02-2198-4EB4-A556-82A1E87445B1}" type="datetimeFigureOut">
               <a:rPr lang="ko-KR" altLang="en-US" smtClean="0"/>
-              <a:t>2019-11-03</a:t>
+              <a:t>2020-02-04</a:t>
             </a:fld>
             <a:endParaRPr lang="ko-KR" altLang="en-US"/>
           </a:p>
@@ -859,7 +864,7 @@
           <a:p>
             <a:fld id="{B01E6A02-2198-4EB4-A556-82A1E87445B1}" type="datetimeFigureOut">
               <a:rPr lang="ko-KR" altLang="en-US" smtClean="0"/>
-              <a:t>2019-11-03</a:t>
+              <a:t>2020-02-04</a:t>
             </a:fld>
             <a:endParaRPr lang="ko-KR" altLang="en-US"/>
           </a:p>
@@ -1134,7 +1139,7 @@
           <a:p>
             <a:fld id="{B01E6A02-2198-4EB4-A556-82A1E87445B1}" type="datetimeFigureOut">
               <a:rPr lang="ko-KR" altLang="en-US" smtClean="0"/>
-              <a:t>2019-11-03</a:t>
+              <a:t>2020-02-04</a:t>
             </a:fld>
             <a:endParaRPr lang="ko-KR" altLang="en-US"/>
           </a:p>
@@ -1399,7 +1404,7 @@
           <a:p>
             <a:fld id="{B01E6A02-2198-4EB4-A556-82A1E87445B1}" type="datetimeFigureOut">
               <a:rPr lang="ko-KR" altLang="en-US" smtClean="0"/>
-              <a:t>2019-11-03</a:t>
+              <a:t>2020-02-04</a:t>
             </a:fld>
             <a:endParaRPr lang="ko-KR" altLang="en-US"/>
           </a:p>
@@ -1811,7 +1816,7 @@
           <a:p>
             <a:fld id="{B01E6A02-2198-4EB4-A556-82A1E87445B1}" type="datetimeFigureOut">
               <a:rPr lang="ko-KR" altLang="en-US" smtClean="0"/>
-              <a:t>2019-11-03</a:t>
+              <a:t>2020-02-04</a:t>
             </a:fld>
             <a:endParaRPr lang="ko-KR" altLang="en-US"/>
           </a:p>
@@ -1952,7 +1957,7 @@
           <a:p>
             <a:fld id="{B01E6A02-2198-4EB4-A556-82A1E87445B1}" type="datetimeFigureOut">
               <a:rPr lang="ko-KR" altLang="en-US" smtClean="0"/>
-              <a:t>2019-11-03</a:t>
+              <a:t>2020-02-04</a:t>
             </a:fld>
             <a:endParaRPr lang="ko-KR" altLang="en-US"/>
           </a:p>
@@ -2065,7 +2070,7 @@
           <a:p>
             <a:fld id="{B01E6A02-2198-4EB4-A556-82A1E87445B1}" type="datetimeFigureOut">
               <a:rPr lang="ko-KR" altLang="en-US" smtClean="0"/>
-              <a:t>2019-11-03</a:t>
+              <a:t>2020-02-04</a:t>
             </a:fld>
             <a:endParaRPr lang="ko-KR" altLang="en-US"/>
           </a:p>
@@ -2376,7 +2381,7 @@
           <a:p>
             <a:fld id="{B01E6A02-2198-4EB4-A556-82A1E87445B1}" type="datetimeFigureOut">
               <a:rPr lang="ko-KR" altLang="en-US" smtClean="0"/>
-              <a:t>2019-11-03</a:t>
+              <a:t>2020-02-04</a:t>
             </a:fld>
             <a:endParaRPr lang="ko-KR" altLang="en-US"/>
           </a:p>
@@ -2664,7 +2669,7 @@
           <a:p>
             <a:fld id="{B01E6A02-2198-4EB4-A556-82A1E87445B1}" type="datetimeFigureOut">
               <a:rPr lang="ko-KR" altLang="en-US" smtClean="0"/>
-              <a:t>2019-11-03</a:t>
+              <a:t>2020-02-04</a:t>
             </a:fld>
             <a:endParaRPr lang="ko-KR" altLang="en-US"/>
           </a:p>
@@ -2905,7 +2910,7 @@
           <a:p>
             <a:fld id="{B01E6A02-2198-4EB4-A556-82A1E87445B1}" type="datetimeFigureOut">
               <a:rPr lang="ko-KR" altLang="en-US" smtClean="0"/>
-              <a:t>2019-11-03</a:t>
+              <a:t>2020-02-04</a:t>
             </a:fld>
             <a:endParaRPr lang="ko-KR" altLang="en-US"/>
           </a:p>
@@ -3405,7 +3410,7 @@
               <a:rPr lang="ko-KR" altLang="en-US" sz="2400" dirty="0">
                 <a:latin typeface="+mn-ea"/>
               </a:rPr>
-              <a:t>개의 자연수 또는 정식의 최대공약수를 구하는 알고리즘</a:t>
+              <a:t>개의 자연수 또는 정수의 최대공약수를 구하는 알고리즘</a:t>
             </a:r>
             <a:endParaRPr lang="en-US" altLang="ko-KR" sz="2400" dirty="0">
               <a:latin typeface="+mn-ea"/>
@@ -3508,7 +3513,7 @@
               <a:rPr lang="en-US" altLang="ko-KR" sz="2000" dirty="0">
                 <a:latin typeface="+mn-ea"/>
               </a:rPr>
-              <a:t> a, b</a:t>
+              <a:t> m, n </a:t>
             </a:r>
             <a:r>
               <a:rPr lang="ko-KR" altLang="en-US" sz="2000" dirty="0">
@@ -3520,7 +3525,7 @@
               <a:rPr lang="en-US" altLang="ko-KR" sz="2000" dirty="0">
                 <a:latin typeface="+mn-ea"/>
               </a:rPr>
-              <a:t>a </a:t>
+              <a:t>m </a:t>
             </a:r>
             <a:r>
               <a:rPr lang="ko-KR" altLang="en-US" sz="2000" dirty="0">
@@ -3532,13 +3537,13 @@
               <a:rPr lang="en-US" altLang="ko-KR" sz="2000" dirty="0">
                 <a:latin typeface="+mn-ea"/>
               </a:rPr>
-              <a:t>b </a:t>
+              <a:t>n </a:t>
             </a:r>
             <a:r>
               <a:rPr lang="ko-KR" altLang="en-US" sz="2000" dirty="0">
                 <a:latin typeface="+mn-ea"/>
               </a:rPr>
-              <a:t>로 나눈 나머지를 </a:t>
+              <a:t>으로 나눈 나머지를 </a:t>
             </a:r>
             <a:r>
               <a:rPr lang="en-US" altLang="ko-KR" sz="2000" dirty="0">
@@ -3568,7 +3573,7 @@
               <a:rPr lang="en-US" altLang="ko-KR" sz="2000" dirty="0">
                 <a:latin typeface="+mn-ea"/>
               </a:rPr>
-              <a:t>, a&gt;b)</a:t>
+              <a:t>, m &gt; n)</a:t>
             </a:r>
           </a:p>
           <a:p>
@@ -3581,19 +3586,19 @@
               <a:rPr lang="en-US" altLang="ko-KR" sz="2000" dirty="0">
                 <a:latin typeface="+mn-ea"/>
               </a:rPr>
-              <a:t>a </a:t>
+              <a:t>m </a:t>
             </a:r>
             <a:r>
               <a:rPr lang="ko-KR" altLang="en-US" sz="2000" dirty="0">
                 <a:latin typeface="+mn-ea"/>
               </a:rPr>
-              <a:t>와 </a:t>
+              <a:t>과 </a:t>
             </a:r>
             <a:r>
               <a:rPr lang="en-US" altLang="ko-KR" sz="2000" dirty="0">
                 <a:latin typeface="+mn-ea"/>
               </a:rPr>
-              <a:t>b</a:t>
+              <a:t>n </a:t>
             </a:r>
             <a:r>
               <a:rPr lang="ko-KR" altLang="en-US" sz="2000" dirty="0">
@@ -3605,7 +3610,7 @@
               <a:rPr lang="en-US" altLang="ko-KR" sz="2000" dirty="0">
                 <a:latin typeface="+mn-ea"/>
               </a:rPr>
-              <a:t>b </a:t>
+              <a:t>n </a:t>
             </a:r>
             <a:r>
               <a:rPr lang="ko-KR" altLang="en-US" sz="2000" dirty="0">
@@ -3648,13 +3653,13 @@
               <a:rPr lang="en-US" altLang="ko-KR" sz="2000" dirty="0">
                 <a:latin typeface="+mn-ea"/>
               </a:rPr>
-              <a:t>, b </a:t>
+              <a:t>, n </a:t>
             </a:r>
             <a:r>
               <a:rPr lang="ko-KR" altLang="en-US" sz="2000" dirty="0">
                 <a:latin typeface="+mn-ea"/>
               </a:rPr>
-              <a:t>를 </a:t>
+              <a:t>을 </a:t>
             </a:r>
             <a:r>
               <a:rPr lang="en-US" altLang="ko-KR" sz="2000" dirty="0">
@@ -3748,19 +3753,19 @@
               <a:rPr lang="en-US" altLang="ko-KR" sz="2000" dirty="0">
                 <a:latin typeface="+mn-ea"/>
               </a:rPr>
-              <a:t>a</a:t>
+              <a:t>m </a:t>
             </a:r>
             <a:r>
               <a:rPr lang="ko-KR" altLang="en-US" sz="2000" dirty="0">
                 <a:latin typeface="+mn-ea"/>
               </a:rPr>
-              <a:t>와 </a:t>
+              <a:t>과 </a:t>
             </a:r>
             <a:r>
               <a:rPr lang="en-US" altLang="ko-KR" sz="2000" dirty="0">
                 <a:latin typeface="+mn-ea"/>
               </a:rPr>
-              <a:t>b</a:t>
+              <a:t>n </a:t>
             </a:r>
             <a:r>
               <a:rPr lang="ko-KR" altLang="en-US" sz="2000" dirty="0">
